--- a/Project 1_SAT&ACT_Kanakorn.pptx
+++ b/Project 1_SAT&ACT_Kanakorn.pptx
@@ -30153,7 +30153,7 @@
                   <a:schemeClr val="dk1"/>
                 </a:solidFill>
               </a:rPr>
-              <a:t>Los Angeles has the most applicant but it has a few of Test takers.</a:t>
+              <a:t>Los Angeles has the highest number of student but it has a few of Test takers.</a:t>
             </a:r>
             <a:endParaRPr>
               <a:solidFill>
